--- a/Gyuyeol/UVM_Block_Diagram.pptx
+++ b/Gyuyeol/UVM_Block_Diagram.pptx
@@ -104,6 +104,11 @@
       </a:defRPr>
     </a:lvl9pPr>
   </p:defaultTextStyle>
+  <p:extLst>
+    <p:ext uri="{EFAFB233-063F-42B5-8137-9DF3F51BA10A}">
+      <p15:sldGuideLst xmlns:p15="http://schemas.microsoft.com/office/powerpoint/2012/main"/>
+    </p:ext>
+  </p:extLst>
 </p:presentation>
 </file>
 
@@ -254,7 +259,7 @@
           <a:p>
             <a:fld id="{4DE7098F-5A7D-4AA1-961D-83B6B3DB6A6A}" type="datetimeFigureOut">
               <a:rPr lang="ko-KR" altLang="en-US" smtClean="0"/>
-              <a:t>2022-02-13</a:t>
+              <a:t>2022-02-14</a:t>
             </a:fld>
             <a:endParaRPr lang="ko-KR" altLang="en-US"/>
           </a:p>
@@ -452,7 +457,7 @@
           <a:p>
             <a:fld id="{4DE7098F-5A7D-4AA1-961D-83B6B3DB6A6A}" type="datetimeFigureOut">
               <a:rPr lang="ko-KR" altLang="en-US" smtClean="0"/>
-              <a:t>2022-02-13</a:t>
+              <a:t>2022-02-14</a:t>
             </a:fld>
             <a:endParaRPr lang="ko-KR" altLang="en-US"/>
           </a:p>
@@ -660,7 +665,7 @@
           <a:p>
             <a:fld id="{4DE7098F-5A7D-4AA1-961D-83B6B3DB6A6A}" type="datetimeFigureOut">
               <a:rPr lang="ko-KR" altLang="en-US" smtClean="0"/>
-              <a:t>2022-02-13</a:t>
+              <a:t>2022-02-14</a:t>
             </a:fld>
             <a:endParaRPr lang="ko-KR" altLang="en-US"/>
           </a:p>
@@ -858,7 +863,7 @@
           <a:p>
             <a:fld id="{4DE7098F-5A7D-4AA1-961D-83B6B3DB6A6A}" type="datetimeFigureOut">
               <a:rPr lang="ko-KR" altLang="en-US" smtClean="0"/>
-              <a:t>2022-02-13</a:t>
+              <a:t>2022-02-14</a:t>
             </a:fld>
             <a:endParaRPr lang="ko-KR" altLang="en-US"/>
           </a:p>
@@ -1133,7 +1138,7 @@
           <a:p>
             <a:fld id="{4DE7098F-5A7D-4AA1-961D-83B6B3DB6A6A}" type="datetimeFigureOut">
               <a:rPr lang="ko-KR" altLang="en-US" smtClean="0"/>
-              <a:t>2022-02-13</a:t>
+              <a:t>2022-02-14</a:t>
             </a:fld>
             <a:endParaRPr lang="ko-KR" altLang="en-US"/>
           </a:p>
@@ -1398,7 +1403,7 @@
           <a:p>
             <a:fld id="{4DE7098F-5A7D-4AA1-961D-83B6B3DB6A6A}" type="datetimeFigureOut">
               <a:rPr lang="ko-KR" altLang="en-US" smtClean="0"/>
-              <a:t>2022-02-13</a:t>
+              <a:t>2022-02-14</a:t>
             </a:fld>
             <a:endParaRPr lang="ko-KR" altLang="en-US"/>
           </a:p>
@@ -1810,7 +1815,7 @@
           <a:p>
             <a:fld id="{4DE7098F-5A7D-4AA1-961D-83B6B3DB6A6A}" type="datetimeFigureOut">
               <a:rPr lang="ko-KR" altLang="en-US" smtClean="0"/>
-              <a:t>2022-02-13</a:t>
+              <a:t>2022-02-14</a:t>
             </a:fld>
             <a:endParaRPr lang="ko-KR" altLang="en-US"/>
           </a:p>
@@ -1951,7 +1956,7 @@
           <a:p>
             <a:fld id="{4DE7098F-5A7D-4AA1-961D-83B6B3DB6A6A}" type="datetimeFigureOut">
               <a:rPr lang="ko-KR" altLang="en-US" smtClean="0"/>
-              <a:t>2022-02-13</a:t>
+              <a:t>2022-02-14</a:t>
             </a:fld>
             <a:endParaRPr lang="ko-KR" altLang="en-US"/>
           </a:p>
@@ -2064,7 +2069,7 @@
           <a:p>
             <a:fld id="{4DE7098F-5A7D-4AA1-961D-83B6B3DB6A6A}" type="datetimeFigureOut">
               <a:rPr lang="ko-KR" altLang="en-US" smtClean="0"/>
-              <a:t>2022-02-13</a:t>
+              <a:t>2022-02-14</a:t>
             </a:fld>
             <a:endParaRPr lang="ko-KR" altLang="en-US"/>
           </a:p>
@@ -2375,7 +2380,7 @@
           <a:p>
             <a:fld id="{4DE7098F-5A7D-4AA1-961D-83B6B3DB6A6A}" type="datetimeFigureOut">
               <a:rPr lang="ko-KR" altLang="en-US" smtClean="0"/>
-              <a:t>2022-02-13</a:t>
+              <a:t>2022-02-14</a:t>
             </a:fld>
             <a:endParaRPr lang="ko-KR" altLang="en-US"/>
           </a:p>
@@ -2663,7 +2668,7 @@
           <a:p>
             <a:fld id="{4DE7098F-5A7D-4AA1-961D-83B6B3DB6A6A}" type="datetimeFigureOut">
               <a:rPr lang="ko-KR" altLang="en-US" smtClean="0"/>
-              <a:t>2022-02-13</a:t>
+              <a:t>2022-02-14</a:t>
             </a:fld>
             <a:endParaRPr lang="ko-KR" altLang="en-US"/>
           </a:p>
@@ -2904,7 +2909,7 @@
           <a:p>
             <a:fld id="{4DE7098F-5A7D-4AA1-961D-83B6B3DB6A6A}" type="datetimeFigureOut">
               <a:rPr lang="ko-KR" altLang="en-US" smtClean="0"/>
-              <a:t>2022-02-13</a:t>
+              <a:t>2022-02-14</a:t>
             </a:fld>
             <a:endParaRPr lang="ko-KR" altLang="en-US"/>
           </a:p>
@@ -4331,6 +4336,257 @@
           </a:p>
         </p:txBody>
       </p:sp>
+      <p:sp>
+        <p:nvSpPr>
+          <p:cNvPr id="26" name="직사각형 32">
+            <a:extLst>
+              <a:ext uri="{FF2B5EF4-FFF2-40B4-BE49-F238E27FC236}">
+                <a16:creationId xmlns:a16="http://schemas.microsoft.com/office/drawing/2014/main" id="{096C6796-3B75-4288-B4CC-8256F469005B}"/>
+              </a:ext>
+            </a:extLst>
+          </p:cNvPr>
+          <p:cNvSpPr/>
+          <p:nvPr/>
+        </p:nvSpPr>
+        <p:spPr>
+          <a:xfrm>
+            <a:off x="6850380" y="3482305"/>
+            <a:ext cx="1256422" cy="425519"/>
+          </a:xfrm>
+          <a:prstGeom prst="rect">
+            <a:avLst/>
+          </a:prstGeom>
+          <a:noFill/>
+        </p:spPr>
+        <p:style>
+          <a:lnRef idx="2">
+            <a:schemeClr val="accent1">
+              <a:shade val="50000"/>
+            </a:schemeClr>
+          </a:lnRef>
+          <a:fillRef idx="1">
+            <a:schemeClr val="accent1"/>
+          </a:fillRef>
+          <a:effectRef idx="0">
+            <a:schemeClr val="accent1"/>
+          </a:effectRef>
+          <a:fontRef idx="minor">
+            <a:schemeClr val="lt1"/>
+          </a:fontRef>
+        </p:style>
+        <p:txBody>
+          <a:bodyPr rtlCol="0" anchor="ctr"/>
+          <a:lstStyle/>
+          <a:p>
+            <a:pPr algn="ctr"/>
+            <a:endParaRPr lang="ko-KR" altLang="en-US" dirty="0"/>
+          </a:p>
+        </p:txBody>
+      </p:sp>
+      <p:sp>
+        <p:nvSpPr>
+          <p:cNvPr id="27" name="TextBox 26">
+            <a:extLst>
+              <a:ext uri="{FF2B5EF4-FFF2-40B4-BE49-F238E27FC236}">
+                <a16:creationId xmlns:a16="http://schemas.microsoft.com/office/drawing/2014/main" id="{00DBF854-36B0-41E2-B980-D8E51A89C389}"/>
+              </a:ext>
+            </a:extLst>
+          </p:cNvPr>
+          <p:cNvSpPr txBox="1"/>
+          <p:nvPr/>
+        </p:nvSpPr>
+        <p:spPr>
+          <a:xfrm>
+            <a:off x="7040545" y="3571953"/>
+            <a:ext cx="932696" cy="246221"/>
+          </a:xfrm>
+          <a:prstGeom prst="rect">
+            <a:avLst/>
+          </a:prstGeom>
+          <a:noFill/>
+        </p:spPr>
+        <p:txBody>
+          <a:bodyPr wrap="square" rtlCol="0">
+            <a:spAutoFit/>
+          </a:bodyPr>
+          <a:lstStyle/>
+          <a:p>
+            <a:r>
+              <a:rPr lang="en-US" altLang="ko-KR" sz="1000" dirty="0" err="1"/>
+              <a:t>m_predictor</a:t>
+            </a:r>
+            <a:endParaRPr lang="ko-KR" altLang="en-US" sz="1000" dirty="0"/>
+          </a:p>
+        </p:txBody>
+      </p:sp>
+      <p:cxnSp>
+        <p:nvCxnSpPr>
+          <p:cNvPr id="32" name="직선 화살표 연결선 14">
+            <a:extLst>
+              <a:ext uri="{FF2B5EF4-FFF2-40B4-BE49-F238E27FC236}">
+                <a16:creationId xmlns:a16="http://schemas.microsoft.com/office/drawing/2014/main" id="{BC43B10C-62DE-4F25-AFBD-927AA9DAC6B6}"/>
+              </a:ext>
+            </a:extLst>
+          </p:cNvPr>
+          <p:cNvCxnSpPr>
+            <a:cxnSpLocks/>
+          </p:cNvCxnSpPr>
+          <p:nvPr/>
+        </p:nvCxnSpPr>
+        <p:spPr>
+          <a:xfrm>
+            <a:off x="7738356" y="2907030"/>
+            <a:ext cx="0" cy="576381"/>
+          </a:xfrm>
+          <a:prstGeom prst="straightConnector1">
+            <a:avLst/>
+          </a:prstGeom>
+          <a:ln>
+            <a:tailEnd type="triangle"/>
+          </a:ln>
+        </p:spPr>
+        <p:style>
+          <a:lnRef idx="1">
+            <a:schemeClr val="accent1"/>
+          </a:lnRef>
+          <a:fillRef idx="0">
+            <a:schemeClr val="accent1"/>
+          </a:fillRef>
+          <a:effectRef idx="0">
+            <a:schemeClr val="accent1"/>
+          </a:effectRef>
+          <a:fontRef idx="minor">
+            <a:schemeClr val="tx1"/>
+          </a:fontRef>
+        </p:style>
+      </p:cxnSp>
+      <p:cxnSp>
+        <p:nvCxnSpPr>
+          <p:cNvPr id="20" name="Connector: Elbow 19">
+            <a:extLst>
+              <a:ext uri="{FF2B5EF4-FFF2-40B4-BE49-F238E27FC236}">
+                <a16:creationId xmlns:a16="http://schemas.microsoft.com/office/drawing/2014/main" id="{0C410C99-C213-44CD-8F5F-F1590E882013}"/>
+              </a:ext>
+            </a:extLst>
+          </p:cNvPr>
+          <p:cNvCxnSpPr>
+            <a:stCxn id="33" idx="1"/>
+            <a:endCxn id="18" idx="1"/>
+          </p:cNvCxnSpPr>
+          <p:nvPr/>
+        </p:nvCxnSpPr>
+        <p:spPr>
+          <a:xfrm rot="10800000" flipH="1">
+            <a:off x="5071109" y="1509409"/>
+            <a:ext cx="98183" cy="2186762"/>
+          </a:xfrm>
+          <a:prstGeom prst="bentConnector3">
+            <a:avLst>
+              <a:gd name="adj1" fmla="val -232831"/>
+            </a:avLst>
+          </a:prstGeom>
+          <a:ln>
+            <a:tailEnd type="triangle"/>
+          </a:ln>
+        </p:spPr>
+        <p:style>
+          <a:lnRef idx="1">
+            <a:schemeClr val="accent1"/>
+          </a:lnRef>
+          <a:fillRef idx="0">
+            <a:schemeClr val="accent1"/>
+          </a:fillRef>
+          <a:effectRef idx="0">
+            <a:schemeClr val="accent1"/>
+          </a:effectRef>
+          <a:fontRef idx="minor">
+            <a:schemeClr val="tx1"/>
+          </a:fontRef>
+        </p:style>
+      </p:cxnSp>
+      <p:sp>
+        <p:nvSpPr>
+          <p:cNvPr id="35" name="직사각형 32">
+            <a:extLst>
+              <a:ext uri="{FF2B5EF4-FFF2-40B4-BE49-F238E27FC236}">
+                <a16:creationId xmlns:a16="http://schemas.microsoft.com/office/drawing/2014/main" id="{2DC3C30F-78BA-4D51-BFF3-524E54F908FA}"/>
+              </a:ext>
+            </a:extLst>
+          </p:cNvPr>
+          <p:cNvSpPr/>
+          <p:nvPr/>
+        </p:nvSpPr>
+        <p:spPr>
+          <a:xfrm>
+            <a:off x="5071108" y="4108199"/>
+            <a:ext cx="3035694" cy="1034779"/>
+          </a:xfrm>
+          <a:prstGeom prst="rect">
+            <a:avLst/>
+          </a:prstGeom>
+          <a:noFill/>
+        </p:spPr>
+        <p:style>
+          <a:lnRef idx="2">
+            <a:schemeClr val="accent1">
+              <a:shade val="50000"/>
+            </a:schemeClr>
+          </a:lnRef>
+          <a:fillRef idx="1">
+            <a:schemeClr val="accent1"/>
+          </a:fillRef>
+          <a:effectRef idx="0">
+            <a:schemeClr val="accent1"/>
+          </a:effectRef>
+          <a:fontRef idx="minor">
+            <a:schemeClr val="lt1"/>
+          </a:fontRef>
+        </p:style>
+        <p:txBody>
+          <a:bodyPr rtlCol="0" anchor="ctr"/>
+          <a:lstStyle/>
+          <a:p>
+            <a:pPr algn="ctr"/>
+            <a:endParaRPr lang="ko-KR" altLang="en-US" dirty="0"/>
+          </a:p>
+        </p:txBody>
+      </p:sp>
+      <p:sp>
+        <p:nvSpPr>
+          <p:cNvPr id="36" name="TextBox 35">
+            <a:extLst>
+              <a:ext uri="{FF2B5EF4-FFF2-40B4-BE49-F238E27FC236}">
+                <a16:creationId xmlns:a16="http://schemas.microsoft.com/office/drawing/2014/main" id="{6A22CF42-34B3-4974-B2ED-5FB0FD95EF13}"/>
+              </a:ext>
+            </a:extLst>
+          </p:cNvPr>
+          <p:cNvSpPr txBox="1"/>
+          <p:nvPr/>
+        </p:nvSpPr>
+        <p:spPr>
+          <a:xfrm>
+            <a:off x="5080299" y="4121647"/>
+            <a:ext cx="932696" cy="246221"/>
+          </a:xfrm>
+          <a:prstGeom prst="rect">
+            <a:avLst/>
+          </a:prstGeom>
+          <a:noFill/>
+        </p:spPr>
+        <p:txBody>
+          <a:bodyPr wrap="square" rtlCol="0">
+            <a:spAutoFit/>
+          </a:bodyPr>
+          <a:lstStyle/>
+          <a:p>
+            <a:r>
+              <a:rPr lang="en-US" altLang="ko-KR" sz="1000" dirty="0" err="1"/>
+              <a:t>reg_model</a:t>
+            </a:r>
+            <a:endParaRPr lang="ko-KR" altLang="en-US" sz="1000" dirty="0"/>
+          </a:p>
+        </p:txBody>
+      </p:sp>
     </p:spTree>
     <p:extLst>
       <p:ext uri="{BB962C8B-B14F-4D97-AF65-F5344CB8AC3E}">

--- a/Gyuyeol/UVM_Block_Diagram.pptx
+++ b/Gyuyeol/UVM_Block_Diagram.pptx
@@ -259,7 +259,7 @@
           <a:p>
             <a:fld id="{4DE7098F-5A7D-4AA1-961D-83B6B3DB6A6A}" type="datetimeFigureOut">
               <a:rPr lang="ko-KR" altLang="en-US" smtClean="0"/>
-              <a:t>2022-02-14</a:t>
+              <a:t>2022-02-16</a:t>
             </a:fld>
             <a:endParaRPr lang="ko-KR" altLang="en-US"/>
           </a:p>
@@ -457,7 +457,7 @@
           <a:p>
             <a:fld id="{4DE7098F-5A7D-4AA1-961D-83B6B3DB6A6A}" type="datetimeFigureOut">
               <a:rPr lang="ko-KR" altLang="en-US" smtClean="0"/>
-              <a:t>2022-02-14</a:t>
+              <a:t>2022-02-16</a:t>
             </a:fld>
             <a:endParaRPr lang="ko-KR" altLang="en-US"/>
           </a:p>
@@ -665,7 +665,7 @@
           <a:p>
             <a:fld id="{4DE7098F-5A7D-4AA1-961D-83B6B3DB6A6A}" type="datetimeFigureOut">
               <a:rPr lang="ko-KR" altLang="en-US" smtClean="0"/>
-              <a:t>2022-02-14</a:t>
+              <a:t>2022-02-16</a:t>
             </a:fld>
             <a:endParaRPr lang="ko-KR" altLang="en-US"/>
           </a:p>
@@ -863,7 +863,7 @@
           <a:p>
             <a:fld id="{4DE7098F-5A7D-4AA1-961D-83B6B3DB6A6A}" type="datetimeFigureOut">
               <a:rPr lang="ko-KR" altLang="en-US" smtClean="0"/>
-              <a:t>2022-02-14</a:t>
+              <a:t>2022-02-16</a:t>
             </a:fld>
             <a:endParaRPr lang="ko-KR" altLang="en-US"/>
           </a:p>
@@ -1138,7 +1138,7 @@
           <a:p>
             <a:fld id="{4DE7098F-5A7D-4AA1-961D-83B6B3DB6A6A}" type="datetimeFigureOut">
               <a:rPr lang="ko-KR" altLang="en-US" smtClean="0"/>
-              <a:t>2022-02-14</a:t>
+              <a:t>2022-02-16</a:t>
             </a:fld>
             <a:endParaRPr lang="ko-KR" altLang="en-US"/>
           </a:p>
@@ -1403,7 +1403,7 @@
           <a:p>
             <a:fld id="{4DE7098F-5A7D-4AA1-961D-83B6B3DB6A6A}" type="datetimeFigureOut">
               <a:rPr lang="ko-KR" altLang="en-US" smtClean="0"/>
-              <a:t>2022-02-14</a:t>
+              <a:t>2022-02-16</a:t>
             </a:fld>
             <a:endParaRPr lang="ko-KR" altLang="en-US"/>
           </a:p>
@@ -1815,7 +1815,7 @@
           <a:p>
             <a:fld id="{4DE7098F-5A7D-4AA1-961D-83B6B3DB6A6A}" type="datetimeFigureOut">
               <a:rPr lang="ko-KR" altLang="en-US" smtClean="0"/>
-              <a:t>2022-02-14</a:t>
+              <a:t>2022-02-16</a:t>
             </a:fld>
             <a:endParaRPr lang="ko-KR" altLang="en-US"/>
           </a:p>
@@ -1956,7 +1956,7 @@
           <a:p>
             <a:fld id="{4DE7098F-5A7D-4AA1-961D-83B6B3DB6A6A}" type="datetimeFigureOut">
               <a:rPr lang="ko-KR" altLang="en-US" smtClean="0"/>
-              <a:t>2022-02-14</a:t>
+              <a:t>2022-02-16</a:t>
             </a:fld>
             <a:endParaRPr lang="ko-KR" altLang="en-US"/>
           </a:p>
@@ -2069,7 +2069,7 @@
           <a:p>
             <a:fld id="{4DE7098F-5A7D-4AA1-961D-83B6B3DB6A6A}" type="datetimeFigureOut">
               <a:rPr lang="ko-KR" altLang="en-US" smtClean="0"/>
-              <a:t>2022-02-14</a:t>
+              <a:t>2022-02-16</a:t>
             </a:fld>
             <a:endParaRPr lang="ko-KR" altLang="en-US"/>
           </a:p>
@@ -2380,7 +2380,7 @@
           <a:p>
             <a:fld id="{4DE7098F-5A7D-4AA1-961D-83B6B3DB6A6A}" type="datetimeFigureOut">
               <a:rPr lang="ko-KR" altLang="en-US" smtClean="0"/>
-              <a:t>2022-02-14</a:t>
+              <a:t>2022-02-16</a:t>
             </a:fld>
             <a:endParaRPr lang="ko-KR" altLang="en-US"/>
           </a:p>
@@ -2668,7 +2668,7 @@
           <a:p>
             <a:fld id="{4DE7098F-5A7D-4AA1-961D-83B6B3DB6A6A}" type="datetimeFigureOut">
               <a:rPr lang="ko-KR" altLang="en-US" smtClean="0"/>
-              <a:t>2022-02-14</a:t>
+              <a:t>2022-02-16</a:t>
             </a:fld>
             <a:endParaRPr lang="ko-KR" altLang="en-US"/>
           </a:p>
@@ -2909,7 +2909,7 @@
           <a:p>
             <a:fld id="{4DE7098F-5A7D-4AA1-961D-83B6B3DB6A6A}" type="datetimeFigureOut">
               <a:rPr lang="ko-KR" altLang="en-US" smtClean="0"/>
-              <a:t>2022-02-14</a:t>
+              <a:t>2022-02-16</a:t>
             </a:fld>
             <a:endParaRPr lang="ko-KR" altLang="en-US"/>
           </a:p>
@@ -3423,7 +3423,7 @@
         </p:nvSpPr>
         <p:spPr>
           <a:xfrm>
-            <a:off x="8930640" y="853440"/>
+            <a:off x="8495364" y="853439"/>
             <a:ext cx="571500" cy="2186940"/>
           </a:xfrm>
           <a:prstGeom prst="rect">
@@ -3470,7 +3470,7 @@
         </p:nvSpPr>
         <p:spPr>
           <a:xfrm>
-            <a:off x="8972852" y="1823799"/>
+            <a:off x="8553602" y="1815519"/>
             <a:ext cx="521668" cy="246221"/>
           </a:xfrm>
           <a:prstGeom prst="rect">
@@ -3506,7 +3506,7 @@
         </p:nvSpPr>
         <p:spPr>
           <a:xfrm>
-            <a:off x="4945380" y="876300"/>
+            <a:off x="3823426" y="876300"/>
             <a:ext cx="3337560" cy="2186940"/>
           </a:xfrm>
           <a:prstGeom prst="rect">
@@ -3553,7 +3553,7 @@
         </p:nvSpPr>
         <p:spPr>
           <a:xfrm>
-            <a:off x="4955358" y="876300"/>
+            <a:off x="3833404" y="876300"/>
             <a:ext cx="812982" cy="246221"/>
           </a:xfrm>
           <a:prstGeom prst="rect">
@@ -3589,7 +3589,7 @@
         </p:nvSpPr>
         <p:spPr>
           <a:xfrm>
-            <a:off x="7227570" y="1214075"/>
+            <a:off x="6105616" y="1214075"/>
             <a:ext cx="902970" cy="612220"/>
           </a:xfrm>
           <a:prstGeom prst="rect">
@@ -3636,7 +3636,7 @@
         </p:nvSpPr>
         <p:spPr>
           <a:xfrm>
-            <a:off x="7288530" y="1386298"/>
+            <a:off x="6166576" y="1386298"/>
             <a:ext cx="792480" cy="246221"/>
           </a:xfrm>
           <a:prstGeom prst="rect">
@@ -3672,7 +3672,7 @@
         </p:nvSpPr>
         <p:spPr>
           <a:xfrm>
-            <a:off x="7227570" y="2288347"/>
+            <a:off x="6105616" y="2288347"/>
             <a:ext cx="902970" cy="612220"/>
           </a:xfrm>
           <a:prstGeom prst="rect">
@@ -3719,7 +3719,7 @@
         </p:nvSpPr>
         <p:spPr>
           <a:xfrm>
-            <a:off x="7251307" y="2467645"/>
+            <a:off x="6129353" y="2467645"/>
             <a:ext cx="917333" cy="246221"/>
           </a:xfrm>
           <a:prstGeom prst="rect">
@@ -3757,9 +3757,9 @@
           <p:nvPr/>
         </p:nvCxnSpPr>
         <p:spPr>
-          <a:xfrm flipV="1">
-            <a:off x="8130540" y="1520184"/>
-            <a:ext cx="800100" cy="1"/>
+          <a:xfrm>
+            <a:off x="7008586" y="1520185"/>
+            <a:ext cx="1478372" cy="0"/>
           </a:xfrm>
           <a:prstGeom prst="straightConnector1">
             <a:avLst/>
@@ -3800,8 +3800,8 @@
         </p:nvCxnSpPr>
         <p:spPr>
           <a:xfrm flipH="1">
-            <a:off x="8130540" y="2589456"/>
-            <a:ext cx="800100" cy="5001"/>
+            <a:off x="7008586" y="2594457"/>
+            <a:ext cx="1478372" cy="0"/>
           </a:xfrm>
           <a:prstGeom prst="straightConnector1">
             <a:avLst/>
@@ -3839,7 +3839,7 @@
         </p:nvSpPr>
         <p:spPr>
           <a:xfrm>
-            <a:off x="5169293" y="1203299"/>
+            <a:off x="4047339" y="1203299"/>
             <a:ext cx="1162927" cy="612220"/>
           </a:xfrm>
           <a:prstGeom prst="rect">
@@ -3886,7 +3886,7 @@
         </p:nvSpPr>
         <p:spPr>
           <a:xfrm>
-            <a:off x="5257800" y="1378678"/>
+            <a:off x="4135846" y="1378678"/>
             <a:ext cx="1219200" cy="246221"/>
           </a:xfrm>
           <a:prstGeom prst="rect">
@@ -3924,7 +3924,7 @@
         </p:nvCxnSpPr>
         <p:spPr>
           <a:xfrm>
-            <a:off x="6351270" y="1493667"/>
+            <a:off x="5229316" y="1493667"/>
             <a:ext cx="731520" cy="10775"/>
           </a:xfrm>
           <a:prstGeom prst="straightConnector1">
@@ -3963,7 +3963,7 @@
         </p:nvSpPr>
         <p:spPr>
           <a:xfrm>
-            <a:off x="6396990" y="1523458"/>
+            <a:off x="5275036" y="1523458"/>
             <a:ext cx="792480" cy="246221"/>
           </a:xfrm>
           <a:prstGeom prst="rect">
@@ -3999,7 +3999,7 @@
         </p:nvSpPr>
         <p:spPr>
           <a:xfrm>
-            <a:off x="6332220" y="1430205"/>
+            <a:off x="5210266" y="1430205"/>
             <a:ext cx="144780" cy="121920"/>
           </a:xfrm>
           <a:prstGeom prst="ellipse">
@@ -4050,7 +4050,7 @@
         </p:nvSpPr>
         <p:spPr>
           <a:xfrm>
-            <a:off x="7101840" y="1445445"/>
+            <a:off x="5979886" y="1445445"/>
             <a:ext cx="125730" cy="122455"/>
           </a:xfrm>
           <a:prstGeom prst="rect">
@@ -4101,8 +4101,8 @@
         </p:nvSpPr>
         <p:spPr>
           <a:xfrm>
-            <a:off x="4107180" y="755214"/>
-            <a:ext cx="4251960" cy="4713208"/>
+            <a:off x="2790825" y="755214"/>
+            <a:ext cx="5485161" cy="4713208"/>
           </a:xfrm>
           <a:prstGeom prst="rect">
             <a:avLst/>
@@ -4148,7 +4148,7 @@
         </p:nvSpPr>
         <p:spPr>
           <a:xfrm>
-            <a:off x="4117158" y="755215"/>
+            <a:off x="2790825" y="755215"/>
             <a:ext cx="812982" cy="246221"/>
           </a:xfrm>
           <a:prstGeom prst="rect">
@@ -4184,7 +4184,7 @@
         </p:nvSpPr>
         <p:spPr>
           <a:xfrm>
-            <a:off x="4930140" y="3184326"/>
+            <a:off x="3808186" y="3184326"/>
             <a:ext cx="3337560" cy="2186940"/>
           </a:xfrm>
           <a:prstGeom prst="rect">
@@ -4231,7 +4231,7 @@
         </p:nvSpPr>
         <p:spPr>
           <a:xfrm>
-            <a:off x="4940118" y="3184326"/>
+            <a:off x="3818164" y="3184326"/>
             <a:ext cx="812982" cy="246221"/>
           </a:xfrm>
           <a:prstGeom prst="rect">
@@ -4255,10 +4255,46 @@
       </p:sp>
       <p:sp>
         <p:nvSpPr>
-          <p:cNvPr id="33" name="직사각형 32">
-            <a:extLst>
-              <a:ext uri="{FF2B5EF4-FFF2-40B4-BE49-F238E27FC236}">
-                <a16:creationId xmlns:a16="http://schemas.microsoft.com/office/drawing/2014/main" id="{C4E1C404-A5F6-404F-8B03-17C0B7155DF2}"/>
+          <p:cNvPr id="34" name="TextBox 33">
+            <a:extLst>
+              <a:ext uri="{FF2B5EF4-FFF2-40B4-BE49-F238E27FC236}">
+                <a16:creationId xmlns:a16="http://schemas.microsoft.com/office/drawing/2014/main" id="{0107FF1D-2841-4950-9650-A91EC37825EE}"/>
+              </a:ext>
+            </a:extLst>
+          </p:cNvPr>
+          <p:cNvSpPr txBox="1"/>
+          <p:nvPr/>
+        </p:nvSpPr>
+        <p:spPr>
+          <a:xfrm>
+            <a:off x="3934995" y="3564095"/>
+            <a:ext cx="812982" cy="246221"/>
+          </a:xfrm>
+          <a:prstGeom prst="rect">
+            <a:avLst/>
+          </a:prstGeom>
+          <a:noFill/>
+        </p:spPr>
+        <p:txBody>
+          <a:bodyPr wrap="square" rtlCol="0">
+            <a:spAutoFit/>
+          </a:bodyPr>
+          <a:lstStyle/>
+          <a:p>
+            <a:r>
+              <a:rPr lang="en-US" altLang="ko-KR" sz="1000" dirty="0"/>
+              <a:t>adapter</a:t>
+            </a:r>
+            <a:endParaRPr lang="ko-KR" altLang="en-US" sz="1000" dirty="0"/>
+          </a:p>
+        </p:txBody>
+      </p:sp>
+      <p:sp>
+        <p:nvSpPr>
+          <p:cNvPr id="26" name="직사각형 32">
+            <a:extLst>
+              <a:ext uri="{FF2B5EF4-FFF2-40B4-BE49-F238E27FC236}">
+                <a16:creationId xmlns:a16="http://schemas.microsoft.com/office/drawing/2014/main" id="{096C6796-3B75-4288-B4CC-8256F469005B}"/>
               </a:ext>
             </a:extLst>
           </p:cNvPr>
@@ -4267,7 +4303,7 @@
         </p:nvSpPr>
         <p:spPr>
           <a:xfrm>
-            <a:off x="5071110" y="3483411"/>
+            <a:off x="5728426" y="3482305"/>
             <a:ext cx="1256422" cy="425519"/>
           </a:xfrm>
           <a:prstGeom prst="rect">
@@ -4302,10 +4338,10 @@
       </p:sp>
       <p:sp>
         <p:nvSpPr>
-          <p:cNvPr id="34" name="TextBox 33">
-            <a:extLst>
-              <a:ext uri="{FF2B5EF4-FFF2-40B4-BE49-F238E27FC236}">
-                <a16:creationId xmlns:a16="http://schemas.microsoft.com/office/drawing/2014/main" id="{0107FF1D-2841-4950-9650-A91EC37825EE}"/>
+          <p:cNvPr id="27" name="TextBox 26">
+            <a:extLst>
+              <a:ext uri="{FF2B5EF4-FFF2-40B4-BE49-F238E27FC236}">
+                <a16:creationId xmlns:a16="http://schemas.microsoft.com/office/drawing/2014/main" id="{00DBF854-36B0-41E2-B980-D8E51A89C389}"/>
               </a:ext>
             </a:extLst>
           </p:cNvPr>
@@ -4314,91 +4350,8 @@
         </p:nvSpPr>
         <p:spPr>
           <a:xfrm>
-            <a:off x="5094847" y="3573059"/>
-            <a:ext cx="1256423" cy="246221"/>
-          </a:xfrm>
-          <a:prstGeom prst="rect">
-            <a:avLst/>
-          </a:prstGeom>
-          <a:noFill/>
-        </p:spPr>
-        <p:txBody>
-          <a:bodyPr wrap="square" rtlCol="0">
-            <a:spAutoFit/>
-          </a:bodyPr>
-          <a:lstStyle/>
-          <a:p>
-            <a:r>
-              <a:rPr lang="en-US" altLang="ko-KR" sz="1000" dirty="0"/>
-              <a:t>reg2apm_adapter</a:t>
-            </a:r>
-            <a:endParaRPr lang="ko-KR" altLang="en-US" sz="1000" dirty="0"/>
-          </a:p>
-        </p:txBody>
-      </p:sp>
-      <p:sp>
-        <p:nvSpPr>
-          <p:cNvPr id="26" name="직사각형 32">
-            <a:extLst>
-              <a:ext uri="{FF2B5EF4-FFF2-40B4-BE49-F238E27FC236}">
-                <a16:creationId xmlns:a16="http://schemas.microsoft.com/office/drawing/2014/main" id="{096C6796-3B75-4288-B4CC-8256F469005B}"/>
-              </a:ext>
-            </a:extLst>
-          </p:cNvPr>
-          <p:cNvSpPr/>
-          <p:nvPr/>
-        </p:nvSpPr>
-        <p:spPr>
-          <a:xfrm>
-            <a:off x="6850380" y="3482305"/>
-            <a:ext cx="1256422" cy="425519"/>
-          </a:xfrm>
-          <a:prstGeom prst="rect">
-            <a:avLst/>
-          </a:prstGeom>
-          <a:noFill/>
-        </p:spPr>
-        <p:style>
-          <a:lnRef idx="2">
-            <a:schemeClr val="accent1">
-              <a:shade val="50000"/>
-            </a:schemeClr>
-          </a:lnRef>
-          <a:fillRef idx="1">
-            <a:schemeClr val="accent1"/>
-          </a:fillRef>
-          <a:effectRef idx="0">
-            <a:schemeClr val="accent1"/>
-          </a:effectRef>
-          <a:fontRef idx="minor">
-            <a:schemeClr val="lt1"/>
-          </a:fontRef>
-        </p:style>
-        <p:txBody>
-          <a:bodyPr rtlCol="0" anchor="ctr"/>
-          <a:lstStyle/>
-          <a:p>
-            <a:pPr algn="ctr"/>
-            <a:endParaRPr lang="ko-KR" altLang="en-US" dirty="0"/>
-          </a:p>
-        </p:txBody>
-      </p:sp>
-      <p:sp>
-        <p:nvSpPr>
-          <p:cNvPr id="27" name="TextBox 26">
-            <a:extLst>
-              <a:ext uri="{FF2B5EF4-FFF2-40B4-BE49-F238E27FC236}">
-                <a16:creationId xmlns:a16="http://schemas.microsoft.com/office/drawing/2014/main" id="{00DBF854-36B0-41E2-B980-D8E51A89C389}"/>
-              </a:ext>
-            </a:extLst>
-          </p:cNvPr>
-          <p:cNvSpPr txBox="1"/>
-          <p:nvPr/>
-        </p:nvSpPr>
-        <p:spPr>
-          <a:xfrm>
-            <a:off x="7040545" y="3571953"/>
-            <a:ext cx="932696" cy="246221"/>
+            <a:off x="5685171" y="3424814"/>
+            <a:ext cx="934406" cy="246221"/>
           </a:xfrm>
           <a:prstGeom prst="rect">
             <a:avLst/>
@@ -4435,8 +4388,8 @@
         </p:nvCxnSpPr>
         <p:spPr>
           <a:xfrm>
-            <a:off x="7738356" y="2907030"/>
-            <a:ext cx="0" cy="576381"/>
+            <a:off x="6611957" y="2907030"/>
+            <a:ext cx="0" cy="438150"/>
           </a:xfrm>
           <a:prstGeom prst="straightConnector1">
             <a:avLst/>
@@ -4470,14 +4423,14 @@
             </a:extLst>
           </p:cNvPr>
           <p:cNvCxnSpPr>
-            <a:stCxn id="33" idx="1"/>
+            <a:cxnSpLocks/>
             <a:endCxn id="18" idx="1"/>
           </p:cNvCxnSpPr>
           <p:nvPr/>
         </p:nvCxnSpPr>
         <p:spPr>
           <a:xfrm rot="10800000" flipH="1">
-            <a:off x="5071109" y="1509409"/>
+            <a:off x="3949155" y="1509409"/>
             <a:ext cx="98183" cy="2186762"/>
           </a:xfrm>
           <a:prstGeom prst="bentConnector3">
@@ -4485,19 +4438,25 @@
               <a:gd name="adj1" fmla="val -232831"/>
             </a:avLst>
           </a:prstGeom>
-          <a:ln>
-            <a:tailEnd type="triangle"/>
+          <a:ln w="9525" cap="flat" cmpd="sng" algn="ctr">
+            <a:solidFill>
+              <a:schemeClr val="accent1"/>
+            </a:solidFill>
+            <a:prstDash val="solid"/>
+            <a:round/>
+            <a:headEnd type="arrow" w="med" len="med"/>
+            <a:tailEnd type="arrow" w="med" len="med"/>
           </a:ln>
         </p:spPr>
         <p:style>
-          <a:lnRef idx="1">
-            <a:schemeClr val="accent1"/>
+          <a:lnRef idx="0">
+            <a:scrgbClr r="0" g="0" b="0"/>
           </a:lnRef>
           <a:fillRef idx="0">
-            <a:schemeClr val="accent1"/>
+            <a:scrgbClr r="0" g="0" b="0"/>
           </a:fillRef>
           <a:effectRef idx="0">
-            <a:schemeClr val="accent1"/>
+            <a:scrgbClr r="0" g="0" b="0"/>
           </a:effectRef>
           <a:fontRef idx="minor">
             <a:schemeClr val="tx1"/>
@@ -4518,7 +4477,7 @@
         </p:nvSpPr>
         <p:spPr>
           <a:xfrm>
-            <a:off x="5071108" y="4108199"/>
+            <a:off x="3949154" y="4108199"/>
             <a:ext cx="3035694" cy="1034779"/>
           </a:xfrm>
           <a:prstGeom prst="rect">
@@ -4565,7 +4524,7 @@
         </p:nvSpPr>
         <p:spPr>
           <a:xfrm>
-            <a:off x="5080299" y="4121647"/>
+            <a:off x="3958345" y="4121647"/>
             <a:ext cx="932696" cy="246221"/>
           </a:xfrm>
           <a:prstGeom prst="rect">
@@ -4587,6 +4546,694 @@
           </a:p>
         </p:txBody>
       </p:sp>
+      <p:sp>
+        <p:nvSpPr>
+          <p:cNvPr id="5" name="Diamond 4">
+            <a:extLst>
+              <a:ext uri="{FF2B5EF4-FFF2-40B4-BE49-F238E27FC236}">
+                <a16:creationId xmlns:a16="http://schemas.microsoft.com/office/drawing/2014/main" id="{CE27731B-1BDD-41D4-88AE-2E801C5D5602}"/>
+              </a:ext>
+            </a:extLst>
+          </p:cNvPr>
+          <p:cNvSpPr/>
+          <p:nvPr/>
+        </p:nvSpPr>
+        <p:spPr>
+          <a:xfrm>
+            <a:off x="6549518" y="2907031"/>
+            <a:ext cx="136699" cy="156209"/>
+          </a:xfrm>
+          <a:prstGeom prst="diamond">
+            <a:avLst/>
+          </a:prstGeom>
+          <a:solidFill>
+            <a:schemeClr val="bg2">
+              <a:lumMod val="75000"/>
+            </a:schemeClr>
+          </a:solidFill>
+        </p:spPr>
+        <p:style>
+          <a:lnRef idx="2">
+            <a:schemeClr val="accent1">
+              <a:shade val="50000"/>
+            </a:schemeClr>
+          </a:lnRef>
+          <a:fillRef idx="1">
+            <a:schemeClr val="accent1"/>
+          </a:fillRef>
+          <a:effectRef idx="0">
+            <a:schemeClr val="accent1"/>
+          </a:effectRef>
+          <a:fontRef idx="minor">
+            <a:schemeClr val="lt1"/>
+          </a:fontRef>
+        </p:style>
+        <p:txBody>
+          <a:bodyPr rtlCol="0" anchor="ctr"/>
+          <a:lstStyle/>
+          <a:p>
+            <a:pPr algn="ctr"/>
+            <a:endParaRPr lang="ko-KR" altLang="en-US" dirty="0"/>
+          </a:p>
+        </p:txBody>
+      </p:sp>
+      <p:sp>
+        <p:nvSpPr>
+          <p:cNvPr id="37" name="타원 22">
+            <a:extLst>
+              <a:ext uri="{FF2B5EF4-FFF2-40B4-BE49-F238E27FC236}">
+                <a16:creationId xmlns:a16="http://schemas.microsoft.com/office/drawing/2014/main" id="{A70F1B1E-19DF-4305-AF6A-29634BE1A901}"/>
+              </a:ext>
+            </a:extLst>
+          </p:cNvPr>
+          <p:cNvSpPr/>
+          <p:nvPr/>
+        </p:nvSpPr>
+        <p:spPr>
+          <a:xfrm>
+            <a:off x="6548256" y="3349846"/>
+            <a:ext cx="144780" cy="132458"/>
+          </a:xfrm>
+          <a:prstGeom prst="ellipse">
+            <a:avLst/>
+          </a:prstGeom>
+          <a:solidFill>
+            <a:schemeClr val="bg2">
+              <a:lumMod val="50000"/>
+            </a:schemeClr>
+          </a:solidFill>
+        </p:spPr>
+        <p:style>
+          <a:lnRef idx="2">
+            <a:schemeClr val="accent1">
+              <a:shade val="50000"/>
+            </a:schemeClr>
+          </a:lnRef>
+          <a:fillRef idx="1">
+            <a:schemeClr val="accent1"/>
+          </a:fillRef>
+          <a:effectRef idx="0">
+            <a:schemeClr val="accent1"/>
+          </a:effectRef>
+          <a:fontRef idx="minor">
+            <a:schemeClr val="lt1"/>
+          </a:fontRef>
+        </p:style>
+        <p:txBody>
+          <a:bodyPr rtlCol="0" anchor="ctr"/>
+          <a:lstStyle/>
+          <a:p>
+            <a:pPr algn="ctr"/>
+            <a:endParaRPr lang="ko-KR" altLang="en-US"/>
+          </a:p>
+        </p:txBody>
+      </p:sp>
+      <p:sp>
+        <p:nvSpPr>
+          <p:cNvPr id="38" name="직사각형 10">
+            <a:extLst>
+              <a:ext uri="{FF2B5EF4-FFF2-40B4-BE49-F238E27FC236}">
+                <a16:creationId xmlns:a16="http://schemas.microsoft.com/office/drawing/2014/main" id="{85E20EB2-D63F-464B-BA50-CDEBA31905C6}"/>
+              </a:ext>
+            </a:extLst>
+          </p:cNvPr>
+          <p:cNvSpPr/>
+          <p:nvPr/>
+        </p:nvSpPr>
+        <p:spPr>
+          <a:xfrm>
+            <a:off x="6256768" y="3653611"/>
+            <a:ext cx="639691" cy="216693"/>
+          </a:xfrm>
+          <a:prstGeom prst="rect">
+            <a:avLst/>
+          </a:prstGeom>
+          <a:noFill/>
+        </p:spPr>
+        <p:style>
+          <a:lnRef idx="2">
+            <a:schemeClr val="accent1">
+              <a:shade val="50000"/>
+            </a:schemeClr>
+          </a:lnRef>
+          <a:fillRef idx="1">
+            <a:schemeClr val="accent1"/>
+          </a:fillRef>
+          <a:effectRef idx="0">
+            <a:schemeClr val="accent1"/>
+          </a:effectRef>
+          <a:fontRef idx="minor">
+            <a:schemeClr val="lt1"/>
+          </a:fontRef>
+        </p:style>
+        <p:txBody>
+          <a:bodyPr rtlCol="0" anchor="ctr"/>
+          <a:lstStyle/>
+          <a:p>
+            <a:pPr algn="ctr"/>
+            <a:endParaRPr lang="ko-KR" altLang="en-US" dirty="0"/>
+          </a:p>
+        </p:txBody>
+      </p:sp>
+      <p:sp>
+        <p:nvSpPr>
+          <p:cNvPr id="39" name="TextBox 38">
+            <a:extLst>
+              <a:ext uri="{FF2B5EF4-FFF2-40B4-BE49-F238E27FC236}">
+                <a16:creationId xmlns:a16="http://schemas.microsoft.com/office/drawing/2014/main" id="{DEE7B7CB-CE77-4C75-AF0C-F60B15E3600F}"/>
+              </a:ext>
+            </a:extLst>
+          </p:cNvPr>
+          <p:cNvSpPr txBox="1"/>
+          <p:nvPr/>
+        </p:nvSpPr>
+        <p:spPr>
+          <a:xfrm>
+            <a:off x="6267516" y="3624214"/>
+            <a:ext cx="682594" cy="246221"/>
+          </a:xfrm>
+          <a:prstGeom prst="rect">
+            <a:avLst/>
+          </a:prstGeom>
+          <a:noFill/>
+        </p:spPr>
+        <p:txBody>
+          <a:bodyPr wrap="square" rtlCol="0">
+            <a:spAutoFit/>
+          </a:bodyPr>
+          <a:lstStyle/>
+          <a:p>
+            <a:r>
+              <a:rPr lang="en-US" altLang="ko-KR" sz="1000" dirty="0"/>
+              <a:t>adapter</a:t>
+            </a:r>
+            <a:endParaRPr lang="ko-KR" altLang="en-US" sz="1000" dirty="0"/>
+          </a:p>
+        </p:txBody>
+      </p:sp>
+      <p:sp>
+        <p:nvSpPr>
+          <p:cNvPr id="40" name="직사각형 10">
+            <a:extLst>
+              <a:ext uri="{FF2B5EF4-FFF2-40B4-BE49-F238E27FC236}">
+                <a16:creationId xmlns:a16="http://schemas.microsoft.com/office/drawing/2014/main" id="{1EC27EE6-920A-4672-BA05-EB9770C01135}"/>
+              </a:ext>
+            </a:extLst>
+          </p:cNvPr>
+          <p:cNvSpPr/>
+          <p:nvPr/>
+        </p:nvSpPr>
+        <p:spPr>
+          <a:xfrm>
+            <a:off x="3949545" y="3596985"/>
+            <a:ext cx="639691" cy="216693"/>
+          </a:xfrm>
+          <a:prstGeom prst="rect">
+            <a:avLst/>
+          </a:prstGeom>
+          <a:noFill/>
+        </p:spPr>
+        <p:style>
+          <a:lnRef idx="2">
+            <a:schemeClr val="accent1">
+              <a:shade val="50000"/>
+            </a:schemeClr>
+          </a:lnRef>
+          <a:fillRef idx="1">
+            <a:schemeClr val="accent1"/>
+          </a:fillRef>
+          <a:effectRef idx="0">
+            <a:schemeClr val="accent1"/>
+          </a:effectRef>
+          <a:fontRef idx="minor">
+            <a:schemeClr val="lt1"/>
+          </a:fontRef>
+        </p:style>
+        <p:txBody>
+          <a:bodyPr rtlCol="0" anchor="ctr"/>
+          <a:lstStyle/>
+          <a:p>
+            <a:pPr algn="ctr"/>
+            <a:endParaRPr lang="ko-KR" altLang="en-US" dirty="0"/>
+          </a:p>
+        </p:txBody>
+      </p:sp>
+      <p:sp>
+        <p:nvSpPr>
+          <p:cNvPr id="41" name="TextBox 40">
+            <a:extLst>
+              <a:ext uri="{FF2B5EF4-FFF2-40B4-BE49-F238E27FC236}">
+                <a16:creationId xmlns:a16="http://schemas.microsoft.com/office/drawing/2014/main" id="{ACE2E21A-2332-4201-990B-7D241BE84192}"/>
+              </a:ext>
+            </a:extLst>
+          </p:cNvPr>
+          <p:cNvSpPr txBox="1"/>
+          <p:nvPr/>
+        </p:nvSpPr>
+        <p:spPr>
+          <a:xfrm>
+            <a:off x="2789464" y="2589456"/>
+            <a:ext cx="957762" cy="246221"/>
+          </a:xfrm>
+          <a:prstGeom prst="rect">
+            <a:avLst/>
+          </a:prstGeom>
+          <a:noFill/>
+        </p:spPr>
+        <p:txBody>
+          <a:bodyPr wrap="square" rtlCol="0">
+            <a:spAutoFit/>
+          </a:bodyPr>
+          <a:lstStyle/>
+          <a:p>
+            <a:r>
+              <a:rPr lang="en-US" altLang="ko-KR" sz="1000" dirty="0" err="1"/>
+              <a:t>bus_seq_item</a:t>
+            </a:r>
+            <a:endParaRPr lang="ko-KR" altLang="en-US" sz="1000" dirty="0"/>
+          </a:p>
+        </p:txBody>
+      </p:sp>
+      <p:sp>
+        <p:nvSpPr>
+          <p:cNvPr id="42" name="직사각형 32">
+            <a:extLst>
+              <a:ext uri="{FF2B5EF4-FFF2-40B4-BE49-F238E27FC236}">
+                <a16:creationId xmlns:a16="http://schemas.microsoft.com/office/drawing/2014/main" id="{4B488DFB-1293-4A04-AC4E-497A5E0E633D}"/>
+              </a:ext>
+            </a:extLst>
+          </p:cNvPr>
+          <p:cNvSpPr/>
+          <p:nvPr/>
+        </p:nvSpPr>
+        <p:spPr>
+          <a:xfrm>
+            <a:off x="5661241" y="4309838"/>
+            <a:ext cx="1256422" cy="773619"/>
+          </a:xfrm>
+          <a:prstGeom prst="rect">
+            <a:avLst/>
+          </a:prstGeom>
+          <a:noFill/>
+        </p:spPr>
+        <p:style>
+          <a:lnRef idx="2">
+            <a:schemeClr val="accent1">
+              <a:shade val="50000"/>
+            </a:schemeClr>
+          </a:lnRef>
+          <a:fillRef idx="1">
+            <a:schemeClr val="accent1"/>
+          </a:fillRef>
+          <a:effectRef idx="0">
+            <a:schemeClr val="accent1"/>
+          </a:effectRef>
+          <a:fontRef idx="minor">
+            <a:schemeClr val="lt1"/>
+          </a:fontRef>
+        </p:style>
+        <p:txBody>
+          <a:bodyPr rtlCol="0" anchor="ctr"/>
+          <a:lstStyle/>
+          <a:p>
+            <a:pPr algn="ctr"/>
+            <a:endParaRPr lang="ko-KR" altLang="en-US" dirty="0"/>
+          </a:p>
+        </p:txBody>
+      </p:sp>
+      <p:sp>
+        <p:nvSpPr>
+          <p:cNvPr id="43" name="TextBox 42">
+            <a:extLst>
+              <a:ext uri="{FF2B5EF4-FFF2-40B4-BE49-F238E27FC236}">
+                <a16:creationId xmlns:a16="http://schemas.microsoft.com/office/drawing/2014/main" id="{301963E9-8CB4-4DC5-97DA-396F843326FF}"/>
+              </a:ext>
+            </a:extLst>
+          </p:cNvPr>
+          <p:cNvSpPr txBox="1"/>
+          <p:nvPr/>
+        </p:nvSpPr>
+        <p:spPr>
+          <a:xfrm>
+            <a:off x="5617985" y="4252347"/>
+            <a:ext cx="1256421" cy="246221"/>
+          </a:xfrm>
+          <a:prstGeom prst="rect">
+            <a:avLst/>
+          </a:prstGeom>
+          <a:noFill/>
+        </p:spPr>
+        <p:txBody>
+          <a:bodyPr wrap="square" rtlCol="0">
+            <a:spAutoFit/>
+          </a:bodyPr>
+          <a:lstStyle/>
+          <a:p>
+            <a:r>
+              <a:rPr lang="en-US" altLang="ko-KR" sz="1000" dirty="0"/>
+              <a:t>register database</a:t>
+            </a:r>
+            <a:endParaRPr lang="ko-KR" altLang="en-US" sz="1000" dirty="0"/>
+          </a:p>
+        </p:txBody>
+      </p:sp>
+      <p:sp>
+        <p:nvSpPr>
+          <p:cNvPr id="44" name="TextBox 43">
+            <a:extLst>
+              <a:ext uri="{FF2B5EF4-FFF2-40B4-BE49-F238E27FC236}">
+                <a16:creationId xmlns:a16="http://schemas.microsoft.com/office/drawing/2014/main" id="{CAD3DF83-A32F-4EE4-982A-7B06B9C284AC}"/>
+              </a:ext>
+            </a:extLst>
+          </p:cNvPr>
+          <p:cNvSpPr txBox="1"/>
+          <p:nvPr/>
+        </p:nvSpPr>
+        <p:spPr>
+          <a:xfrm>
+            <a:off x="5929814" y="4682122"/>
+            <a:ext cx="682594" cy="246221"/>
+          </a:xfrm>
+          <a:prstGeom prst="rect">
+            <a:avLst/>
+          </a:prstGeom>
+          <a:noFill/>
+        </p:spPr>
+        <p:txBody>
+          <a:bodyPr wrap="square" rtlCol="0">
+            <a:spAutoFit/>
+          </a:bodyPr>
+          <a:lstStyle/>
+          <a:p>
+            <a:r>
+              <a:rPr lang="en-US" altLang="ko-KR" sz="1000" dirty="0"/>
+              <a:t>reg</a:t>
+            </a:r>
+            <a:endParaRPr lang="ko-KR" altLang="en-US" sz="1000" dirty="0"/>
+          </a:p>
+        </p:txBody>
+      </p:sp>
+      <p:sp>
+        <p:nvSpPr>
+          <p:cNvPr id="45" name="직사각형 10">
+            <a:extLst>
+              <a:ext uri="{FF2B5EF4-FFF2-40B4-BE49-F238E27FC236}">
+                <a16:creationId xmlns:a16="http://schemas.microsoft.com/office/drawing/2014/main" id="{8CB2672D-418C-4D53-93BC-C1798D922934}"/>
+              </a:ext>
+            </a:extLst>
+          </p:cNvPr>
+          <p:cNvSpPr/>
+          <p:nvPr/>
+        </p:nvSpPr>
+        <p:spPr>
+          <a:xfrm>
+            <a:off x="5800343" y="4713586"/>
+            <a:ext cx="639691" cy="216693"/>
+          </a:xfrm>
+          <a:prstGeom prst="rect">
+            <a:avLst/>
+          </a:prstGeom>
+          <a:noFill/>
+        </p:spPr>
+        <p:style>
+          <a:lnRef idx="2">
+            <a:schemeClr val="accent1">
+              <a:shade val="50000"/>
+            </a:schemeClr>
+          </a:lnRef>
+          <a:fillRef idx="1">
+            <a:schemeClr val="accent1"/>
+          </a:fillRef>
+          <a:effectRef idx="0">
+            <a:schemeClr val="accent1"/>
+          </a:effectRef>
+          <a:fontRef idx="minor">
+            <a:schemeClr val="lt1"/>
+          </a:fontRef>
+        </p:style>
+        <p:txBody>
+          <a:bodyPr rtlCol="0" anchor="ctr"/>
+          <a:lstStyle/>
+          <a:p>
+            <a:pPr algn="ctr"/>
+            <a:endParaRPr lang="ko-KR" altLang="en-US" dirty="0"/>
+          </a:p>
+        </p:txBody>
+      </p:sp>
+      <p:cxnSp>
+        <p:nvCxnSpPr>
+          <p:cNvPr id="46" name="Connector: Elbow 45">
+            <a:extLst>
+              <a:ext uri="{FF2B5EF4-FFF2-40B4-BE49-F238E27FC236}">
+                <a16:creationId xmlns:a16="http://schemas.microsoft.com/office/drawing/2014/main" id="{97A73BEE-9CD8-4867-853E-2E2610676C6A}"/>
+              </a:ext>
+            </a:extLst>
+          </p:cNvPr>
+          <p:cNvCxnSpPr>
+            <a:cxnSpLocks/>
+            <a:stCxn id="45" idx="1"/>
+          </p:cNvCxnSpPr>
+          <p:nvPr/>
+        </p:nvCxnSpPr>
+        <p:spPr>
+          <a:xfrm rot="10800000">
+            <a:off x="4598429" y="3671039"/>
+            <a:ext cx="1201914" cy="1150894"/>
+          </a:xfrm>
+          <a:prstGeom prst="bentConnector3">
+            <a:avLst>
+              <a:gd name="adj1" fmla="val 50000"/>
+            </a:avLst>
+          </a:prstGeom>
+          <a:ln w="9525" cap="flat" cmpd="sng" algn="ctr">
+            <a:solidFill>
+              <a:schemeClr val="accent1"/>
+            </a:solidFill>
+            <a:prstDash val="solid"/>
+            <a:round/>
+            <a:headEnd type="arrow" w="med" len="med"/>
+            <a:tailEnd type="arrow" w="med" len="med"/>
+          </a:ln>
+        </p:spPr>
+        <p:style>
+          <a:lnRef idx="0">
+            <a:scrgbClr r="0" g="0" b="0"/>
+          </a:lnRef>
+          <a:fillRef idx="0">
+            <a:scrgbClr r="0" g="0" b="0"/>
+          </a:fillRef>
+          <a:effectRef idx="0">
+            <a:scrgbClr r="0" g="0" b="0"/>
+          </a:effectRef>
+          <a:fontRef idx="minor">
+            <a:schemeClr val="tx1"/>
+          </a:fontRef>
+        </p:style>
+      </p:cxnSp>
+      <p:cxnSp>
+        <p:nvCxnSpPr>
+          <p:cNvPr id="53" name="Connector: Elbow 52">
+            <a:extLst>
+              <a:ext uri="{FF2B5EF4-FFF2-40B4-BE49-F238E27FC236}">
+                <a16:creationId xmlns:a16="http://schemas.microsoft.com/office/drawing/2014/main" id="{135D9210-8B4B-43AA-AC2D-7A05ABF1C29D}"/>
+              </a:ext>
+            </a:extLst>
+          </p:cNvPr>
+          <p:cNvCxnSpPr>
+            <a:cxnSpLocks/>
+            <a:stCxn id="39" idx="2"/>
+          </p:cNvCxnSpPr>
+          <p:nvPr/>
+        </p:nvCxnSpPr>
+        <p:spPr>
+          <a:xfrm rot="5400000">
+            <a:off x="5979354" y="4048156"/>
+            <a:ext cx="807181" cy="451739"/>
+          </a:xfrm>
+          <a:prstGeom prst="bentConnector3">
+            <a:avLst>
+              <a:gd name="adj1" fmla="val 50000"/>
+            </a:avLst>
+          </a:prstGeom>
+          <a:ln>
+            <a:tailEnd type="triangle"/>
+          </a:ln>
+        </p:spPr>
+        <p:style>
+          <a:lnRef idx="1">
+            <a:schemeClr val="accent1"/>
+          </a:lnRef>
+          <a:fillRef idx="0">
+            <a:schemeClr val="accent1"/>
+          </a:fillRef>
+          <a:effectRef idx="0">
+            <a:schemeClr val="accent1"/>
+          </a:effectRef>
+          <a:fontRef idx="minor">
+            <a:schemeClr val="tx1"/>
+          </a:fontRef>
+        </p:style>
+      </p:cxnSp>
+      <p:sp>
+        <p:nvSpPr>
+          <p:cNvPr id="56" name="TextBox 55">
+            <a:extLst>
+              <a:ext uri="{FF2B5EF4-FFF2-40B4-BE49-F238E27FC236}">
+                <a16:creationId xmlns:a16="http://schemas.microsoft.com/office/drawing/2014/main" id="{F06929E3-E8E9-4629-AB87-D4592120DA87}"/>
+              </a:ext>
+            </a:extLst>
+          </p:cNvPr>
+          <p:cNvSpPr txBox="1"/>
+          <p:nvPr/>
+        </p:nvSpPr>
+        <p:spPr>
+          <a:xfrm>
+            <a:off x="5991043" y="3876273"/>
+            <a:ext cx="812982" cy="246221"/>
+          </a:xfrm>
+          <a:prstGeom prst="rect">
+            <a:avLst/>
+          </a:prstGeom>
+          <a:noFill/>
+        </p:spPr>
+        <p:txBody>
+          <a:bodyPr wrap="square" rtlCol="0">
+            <a:spAutoFit/>
+          </a:bodyPr>
+          <a:lstStyle/>
+          <a:p>
+            <a:r>
+              <a:rPr lang="en-US" altLang="ko-KR" sz="1000" dirty="0" err="1"/>
+              <a:t>reg_item</a:t>
+            </a:r>
+            <a:endParaRPr lang="ko-KR" altLang="en-US" sz="1000" dirty="0"/>
+          </a:p>
+        </p:txBody>
+      </p:sp>
+      <p:sp>
+        <p:nvSpPr>
+          <p:cNvPr id="57" name="직사각형 32">
+            <a:extLst>
+              <a:ext uri="{FF2B5EF4-FFF2-40B4-BE49-F238E27FC236}">
+                <a16:creationId xmlns:a16="http://schemas.microsoft.com/office/drawing/2014/main" id="{A9572729-9EB5-4001-9177-88DE956515E0}"/>
+              </a:ext>
+            </a:extLst>
+          </p:cNvPr>
+          <p:cNvSpPr/>
+          <p:nvPr/>
+        </p:nvSpPr>
+        <p:spPr>
+          <a:xfrm>
+            <a:off x="7326933" y="3483698"/>
+            <a:ext cx="750449" cy="1854118"/>
+          </a:xfrm>
+          <a:prstGeom prst="rect">
+            <a:avLst/>
+          </a:prstGeom>
+          <a:noFill/>
+        </p:spPr>
+        <p:style>
+          <a:lnRef idx="2">
+            <a:schemeClr val="accent1">
+              <a:shade val="50000"/>
+            </a:schemeClr>
+          </a:lnRef>
+          <a:fillRef idx="1">
+            <a:schemeClr val="accent1"/>
+          </a:fillRef>
+          <a:effectRef idx="0">
+            <a:schemeClr val="accent1"/>
+          </a:effectRef>
+          <a:fontRef idx="minor">
+            <a:schemeClr val="lt1"/>
+          </a:fontRef>
+        </p:style>
+        <p:txBody>
+          <a:bodyPr rtlCol="0" anchor="ctr"/>
+          <a:lstStyle/>
+          <a:p>
+            <a:pPr algn="ctr"/>
+            <a:endParaRPr lang="ko-KR" altLang="en-US" dirty="0"/>
+          </a:p>
+        </p:txBody>
+      </p:sp>
+      <p:sp>
+        <p:nvSpPr>
+          <p:cNvPr id="58" name="TextBox 57">
+            <a:extLst>
+              <a:ext uri="{FF2B5EF4-FFF2-40B4-BE49-F238E27FC236}">
+                <a16:creationId xmlns:a16="http://schemas.microsoft.com/office/drawing/2014/main" id="{3A5F778F-B2E0-42B4-BF56-7BB6EF5FF2F6}"/>
+              </a:ext>
+            </a:extLst>
+          </p:cNvPr>
+          <p:cNvSpPr txBox="1"/>
+          <p:nvPr/>
+        </p:nvSpPr>
+        <p:spPr>
+          <a:xfrm>
+            <a:off x="7303480" y="4263544"/>
+            <a:ext cx="934406" cy="246221"/>
+          </a:xfrm>
+          <a:prstGeom prst="rect">
+            <a:avLst/>
+          </a:prstGeom>
+          <a:noFill/>
+        </p:spPr>
+        <p:txBody>
+          <a:bodyPr wrap="square" rtlCol="0">
+            <a:spAutoFit/>
+          </a:bodyPr>
+          <a:lstStyle/>
+          <a:p>
+            <a:r>
+              <a:rPr lang="en-US" altLang="ko-KR" sz="1000" dirty="0"/>
+              <a:t>scoreboard</a:t>
+            </a:r>
+            <a:endParaRPr lang="ko-KR" altLang="en-US" sz="1000" dirty="0"/>
+          </a:p>
+        </p:txBody>
+      </p:sp>
+      <p:cxnSp>
+        <p:nvCxnSpPr>
+          <p:cNvPr id="62" name="Connector: Elbow 61">
+            <a:extLst>
+              <a:ext uri="{FF2B5EF4-FFF2-40B4-BE49-F238E27FC236}">
+                <a16:creationId xmlns:a16="http://schemas.microsoft.com/office/drawing/2014/main" id="{F2A40DBA-0E44-4315-9127-541AC11D2785}"/>
+              </a:ext>
+            </a:extLst>
+          </p:cNvPr>
+          <p:cNvCxnSpPr>
+            <a:cxnSpLocks/>
+          </p:cNvCxnSpPr>
+          <p:nvPr/>
+        </p:nvCxnSpPr>
+        <p:spPr>
+          <a:xfrm>
+            <a:off x="6611519" y="3137089"/>
+            <a:ext cx="1084289" cy="346609"/>
+          </a:xfrm>
+          <a:prstGeom prst="bentConnector2">
+            <a:avLst/>
+          </a:prstGeom>
+          <a:ln>
+            <a:tailEnd type="triangle"/>
+          </a:ln>
+        </p:spPr>
+        <p:style>
+          <a:lnRef idx="1">
+            <a:schemeClr val="accent1"/>
+          </a:lnRef>
+          <a:fillRef idx="0">
+            <a:schemeClr val="accent1"/>
+          </a:fillRef>
+          <a:effectRef idx="0">
+            <a:schemeClr val="accent1"/>
+          </a:effectRef>
+          <a:fontRef idx="minor">
+            <a:schemeClr val="tx1"/>
+          </a:fontRef>
+        </p:style>
+      </p:cxnSp>
     </p:spTree>
     <p:extLst>
       <p:ext uri="{BB962C8B-B14F-4D97-AF65-F5344CB8AC3E}">
